--- a/ATRUP/ATURPpredstavitev.pptx
+++ b/ATRUP/ATURPpredstavitev.pptx
@@ -11,6 +11,7 @@
     <p:sldId id="259" r:id="rId5"/>
     <p:sldId id="260" r:id="rId6"/>
     <p:sldId id="261" r:id="rId7"/>
+    <p:sldId id="262" r:id="rId8"/>
   </p:sldIdLst>
   <p:sldSz cx="12192000" cy="6858000"/>
   <p:notesSz cx="6858000" cy="9144000"/>
@@ -109,6 +110,11 @@
       </a:defRPr>
     </a:lvl9pPr>
   </p:defaultTextStyle>
+  <p:extLst>
+    <p:ext uri="{EFAFB233-063F-42B5-8137-9DF3F51BA10A}">
+      <p15:sldGuideLst xmlns:p15="http://schemas.microsoft.com/office/powerpoint/2012/main"/>
+    </p:ext>
+  </p:extLst>
 </p:presentation>
 </file>
 
@@ -153,13 +159,8 @@
             </a:pPr>
             <a:r>
               <a:rPr lang="sl-SI"/>
-              <a:t>Reševanje</a:t>
-            </a:r>
-            <a:r>
-              <a:rPr lang="sl-SI" baseline="0"/>
-              <a:t> problemov</a:t>
-            </a:r>
-            <a:endParaRPr lang="sl-SI"/>
+              <a:t>Projektna naloga-Žaba</a:t>
+            </a:r>
           </a:p>
         </c:rich>
       </c:tx>
@@ -210,7 +211,7 @@
           <c:order val="0"/>
           <c:tx>
             <c:strRef>
-              <c:f>List1!$B$1</c:f>
+              <c:f>List1!$B$2</c:f>
               <c:strCache>
                 <c:ptCount val="1"/>
                 <c:pt idx="0">
@@ -220,32 +221,9 @@
             </c:strRef>
           </c:tx>
           <c:spPr>
-            <a:gradFill rotWithShape="1">
-              <a:gsLst>
-                <a:gs pos="0">
-                  <a:schemeClr val="accent1">
-                    <a:satMod val="103000"/>
-                    <a:lumMod val="102000"/>
-                    <a:tint val="94000"/>
-                  </a:schemeClr>
-                </a:gs>
-                <a:gs pos="50000">
-                  <a:schemeClr val="accent1">
-                    <a:satMod val="110000"/>
-                    <a:lumMod val="100000"/>
-                    <a:shade val="100000"/>
-                  </a:schemeClr>
-                </a:gs>
-                <a:gs pos="100000">
-                  <a:schemeClr val="accent1">
-                    <a:lumMod val="99000"/>
-                    <a:satMod val="120000"/>
-                    <a:shade val="78000"/>
-                  </a:schemeClr>
-                </a:gs>
-              </a:gsLst>
-              <a:lin ang="5400000" scaled="0"/>
-            </a:gradFill>
+            <a:solidFill>
+              <a:srgbClr val="FF0000"/>
+            </a:solidFill>
             <a:ln>
               <a:noFill/>
             </a:ln>
@@ -260,7 +238,7 @@
           <c:invertIfNegative val="0"/>
           <c:cat>
             <c:strRef>
-              <c:f>List1!$A$2:$A$15</c:f>
+              <c:f>List1!$C$1:$P$1</c:f>
               <c:strCache>
                 <c:ptCount val="14"/>
                 <c:pt idx="0">
@@ -310,7 +288,7 @@
           </c:cat>
           <c:val>
             <c:numRef>
-              <c:f>List1!$B$2:$B$15</c:f>
+              <c:f>List1!$C$2:$P$2</c:f>
               <c:numCache>
                 <c:formatCode>General</c:formatCode>
                 <c:ptCount val="14"/>
@@ -325,6 +303,24 @@
                 </c:pt>
                 <c:pt idx="3">
                   <c:v>0.8</c:v>
+                </c:pt>
+                <c:pt idx="4">
+                  <c:v>0</c:v>
+                </c:pt>
+                <c:pt idx="5">
+                  <c:v>0</c:v>
+                </c:pt>
+                <c:pt idx="6">
+                  <c:v>0</c:v>
+                </c:pt>
+                <c:pt idx="7">
+                  <c:v>0</c:v>
+                </c:pt>
+                <c:pt idx="8">
+                  <c:v>0</c:v>
+                </c:pt>
+                <c:pt idx="9">
+                  <c:v>0</c:v>
                 </c:pt>
                 <c:pt idx="10">
                   <c:v>3.53</c:v>
@@ -343,7 +339,7 @@
           </c:val>
           <c:extLst>
             <c:ext xmlns:c16="http://schemas.microsoft.com/office/drawing/2014/chart" uri="{C3380CC4-5D6E-409C-BE32-E72D297353CC}">
-              <c16:uniqueId val="{00000000-99E6-4E3D-962B-B2D4CBFEEF1C}"/>
+              <c16:uniqueId val="{00000000-B1E3-4B4E-AF87-054B8A2437A2}"/>
             </c:ext>
           </c:extLst>
         </c:ser>
@@ -352,7 +348,7 @@
           <c:order val="1"/>
           <c:tx>
             <c:strRef>
-              <c:f>List1!$C$1</c:f>
+              <c:f>List1!$B$3</c:f>
               <c:strCache>
                 <c:ptCount val="1"/>
                 <c:pt idx="0">
@@ -362,32 +358,9 @@
             </c:strRef>
           </c:tx>
           <c:spPr>
-            <a:gradFill rotWithShape="1">
-              <a:gsLst>
-                <a:gs pos="0">
-                  <a:schemeClr val="accent2">
-                    <a:satMod val="103000"/>
-                    <a:lumMod val="102000"/>
-                    <a:tint val="94000"/>
-                  </a:schemeClr>
-                </a:gs>
-                <a:gs pos="50000">
-                  <a:schemeClr val="accent2">
-                    <a:satMod val="110000"/>
-                    <a:lumMod val="100000"/>
-                    <a:shade val="100000"/>
-                  </a:schemeClr>
-                </a:gs>
-                <a:gs pos="100000">
-                  <a:schemeClr val="accent2">
-                    <a:lumMod val="99000"/>
-                    <a:satMod val="120000"/>
-                    <a:shade val="78000"/>
-                  </a:schemeClr>
-                </a:gs>
-              </a:gsLst>
-              <a:lin ang="5400000" scaled="0"/>
-            </a:gradFill>
+            <a:solidFill>
+              <a:srgbClr val="FFFF00"/>
+            </a:solidFill>
             <a:ln>
               <a:noFill/>
             </a:ln>
@@ -402,7 +375,7 @@
           <c:invertIfNegative val="0"/>
           <c:cat>
             <c:strRef>
-              <c:f>List1!$A$2:$A$15</c:f>
+              <c:f>List1!$C$1:$P$1</c:f>
               <c:strCache>
                 <c:ptCount val="14"/>
                 <c:pt idx="0">
@@ -452,7 +425,7 @@
           </c:cat>
           <c:val>
             <c:numRef>
-              <c:f>List1!$C$2:$C$15</c:f>
+              <c:f>List1!$C$3:$P$3</c:f>
               <c:numCache>
                 <c:formatCode>General</c:formatCode>
                 <c:ptCount val="14"/>
@@ -460,13 +433,31 @@
                   <c:v>0.6</c:v>
                 </c:pt>
                 <c:pt idx="1">
-                  <c:v>0.6</c:v>
+                  <c:v>0</c:v>
                 </c:pt>
                 <c:pt idx="2">
                   <c:v>0.84</c:v>
                 </c:pt>
                 <c:pt idx="3">
                   <c:v>0.37</c:v>
+                </c:pt>
+                <c:pt idx="4">
+                  <c:v>0.33</c:v>
+                </c:pt>
+                <c:pt idx="5">
+                  <c:v>3.3</c:v>
+                </c:pt>
+                <c:pt idx="6">
+                  <c:v>3.3039999999999998</c:v>
+                </c:pt>
+                <c:pt idx="7">
+                  <c:v>3.2469999999999999</c:v>
+                </c:pt>
+                <c:pt idx="8">
+                  <c:v>9.9990000000000006</c:v>
+                </c:pt>
+                <c:pt idx="9">
+                  <c:v>9.9990000000000006</c:v>
                 </c:pt>
                 <c:pt idx="10">
                   <c:v>2.6059999999999999</c:v>
@@ -485,7 +476,7 @@
           </c:val>
           <c:extLst>
             <c:ext xmlns:c16="http://schemas.microsoft.com/office/drawing/2014/chart" uri="{C3380CC4-5D6E-409C-BE32-E72D297353CC}">
-              <c16:uniqueId val="{00000001-99E6-4E3D-962B-B2D4CBFEEF1C}"/>
+              <c16:uniqueId val="{00000001-B1E3-4B4E-AF87-054B8A2437A2}"/>
             </c:ext>
           </c:extLst>
         </c:ser>
@@ -499,41 +490,17 @@
         </c:dLbls>
         <c:gapWidth val="100"/>
         <c:overlap val="-24"/>
-        <c:axId val="105918384"/>
-        <c:axId val="105918800"/>
+        <c:axId val="440636127"/>
+        <c:axId val="440631135"/>
       </c:barChart>
       <c:catAx>
-        <c:axId val="105918384"/>
+        <c:axId val="440636127"/>
         <c:scaling>
           <c:orientation val="minMax"/>
         </c:scaling>
         <c:delete val="0"/>
         <c:axPos val="b"/>
         <c:title>
-          <c:tx>
-            <c:rich>
-              <a:bodyPr rot="0" spcFirstLastPara="1" vertOverflow="ellipsis" vert="horz" wrap="square" anchor="ctr" anchorCtr="1"/>
-              <a:lstStyle/>
-              <a:p>
-                <a:pPr>
-                  <a:defRPr sz="900" b="1" i="0" u="none" strike="noStrike" kern="1200" cap="all" baseline="0">
-                    <a:solidFill>
-                      <a:schemeClr val="lt1">
-                        <a:lumMod val="85000"/>
-                      </a:schemeClr>
-                    </a:solidFill>
-                    <a:latin typeface="+mn-lt"/>
-                    <a:ea typeface="+mn-ea"/>
-                    <a:cs typeface="+mn-cs"/>
-                  </a:defRPr>
-                </a:pPr>
-                <a:r>
-                  <a:rPr lang="sl-SI"/>
-                  <a:t>naslovi datotek</a:t>
-                </a:r>
-              </a:p>
-            </c:rich>
-          </c:tx>
           <c:overlay val="0"/>
           <c:spPr>
             <a:noFill/>
@@ -598,7 +565,7 @@
             <a:endParaRPr lang="sl-SI"/>
           </a:p>
         </c:txPr>
-        <c:crossAx val="105918800"/>
+        <c:crossAx val="440631135"/>
         <c:crosses val="autoZero"/>
         <c:auto val="1"/>
         <c:lblAlgn val="ctr"/>
@@ -606,7 +573,7 @@
         <c:noMultiLvlLbl val="0"/>
       </c:catAx>
       <c:valAx>
-        <c:axId val="105918800"/>
+        <c:axId val="440631135"/>
         <c:scaling>
           <c:orientation val="minMax"/>
         </c:scaling>
@@ -646,8 +613,13 @@
                 </a:pPr>
                 <a:r>
                   <a:rPr lang="sl-SI"/>
-                  <a:t>Čas v sekundah</a:t>
+                  <a:t>čas</a:t>
                 </a:r>
+                <a:r>
+                  <a:rPr lang="sl-SI" baseline="0"/>
+                  <a:t> (sekunde)</a:t>
+                </a:r>
+                <a:endParaRPr lang="sl-SI"/>
               </a:p>
             </c:rich>
           </c:tx>
@@ -709,7 +681,7 @@
             <a:endParaRPr lang="sl-SI"/>
           </a:p>
         </c:txPr>
-        <c:crossAx val="105918384"/>
+        <c:crossAx val="440636127"/>
         <c:crosses val="autoZero"/>
         <c:crossBetween val="between"/>
       </c:valAx>
@@ -1509,7 +1481,7 @@
           <a:p>
             <a:fld id="{A8141FD2-2A27-4F6B-BF20-B9069527CC34}" type="datetimeFigureOut">
               <a:rPr lang="sl-SI" smtClean="0"/>
-              <a:t>13. 01. 2022</a:t>
+              <a:t>16. 01. 2022</a:t>
             </a:fld>
             <a:endParaRPr lang="sl-SI"/>
           </a:p>
@@ -1839,7 +1811,7 @@
           <a:p>
             <a:fld id="{A8141FD2-2A27-4F6B-BF20-B9069527CC34}" type="datetimeFigureOut">
               <a:rPr lang="sl-SI" smtClean="0"/>
-              <a:t>13. 01. 2022</a:t>
+              <a:t>16. 01. 2022</a:t>
             </a:fld>
             <a:endParaRPr lang="sl-SI"/>
           </a:p>
@@ -2019,7 +1991,7 @@
           <a:p>
             <a:fld id="{A8141FD2-2A27-4F6B-BF20-B9069527CC34}" type="datetimeFigureOut">
               <a:rPr lang="sl-SI" smtClean="0"/>
-              <a:t>13. 01. 2022</a:t>
+              <a:t>16. 01. 2022</a:t>
             </a:fld>
             <a:endParaRPr lang="sl-SI"/>
           </a:p>
@@ -2189,7 +2161,7 @@
           <a:p>
             <a:fld id="{A8141FD2-2A27-4F6B-BF20-B9069527CC34}" type="datetimeFigureOut">
               <a:rPr lang="sl-SI" smtClean="0"/>
-              <a:t>13. 01. 2022</a:t>
+              <a:t>16. 01. 2022</a:t>
             </a:fld>
             <a:endParaRPr lang="sl-SI"/>
           </a:p>
@@ -2466,7 +2438,7 @@
           <a:p>
             <a:fld id="{A8141FD2-2A27-4F6B-BF20-B9069527CC34}" type="datetimeFigureOut">
               <a:rPr lang="sl-SI" smtClean="0"/>
-              <a:t>13. 01. 2022</a:t>
+              <a:t>16. 01. 2022</a:t>
             </a:fld>
             <a:endParaRPr lang="sl-SI"/>
           </a:p>
@@ -2860,7 +2832,7 @@
           <a:p>
             <a:fld id="{A8141FD2-2A27-4F6B-BF20-B9069527CC34}" type="datetimeFigureOut">
               <a:rPr lang="sl-SI" smtClean="0"/>
-              <a:t>13. 01. 2022</a:t>
+              <a:t>16. 01. 2022</a:t>
             </a:fld>
             <a:endParaRPr lang="sl-SI"/>
           </a:p>
@@ -3337,7 +3309,7 @@
           <a:p>
             <a:fld id="{A8141FD2-2A27-4F6B-BF20-B9069527CC34}" type="datetimeFigureOut">
               <a:rPr lang="sl-SI" smtClean="0"/>
-              <a:t>13. 01. 2022</a:t>
+              <a:t>16. 01. 2022</a:t>
             </a:fld>
             <a:endParaRPr lang="sl-SI"/>
           </a:p>
@@ -3455,7 +3427,7 @@
           <a:p>
             <a:fld id="{A8141FD2-2A27-4F6B-BF20-B9069527CC34}" type="datetimeFigureOut">
               <a:rPr lang="sl-SI" smtClean="0"/>
-              <a:t>13. 01. 2022</a:t>
+              <a:t>16. 01. 2022</a:t>
             </a:fld>
             <a:endParaRPr lang="sl-SI"/>
           </a:p>
@@ -3550,7 +3522,7 @@
           <a:p>
             <a:fld id="{A8141FD2-2A27-4F6B-BF20-B9069527CC34}" type="datetimeFigureOut">
               <a:rPr lang="sl-SI" smtClean="0"/>
-              <a:t>13. 01. 2022</a:t>
+              <a:t>16. 01. 2022</a:t>
             </a:fld>
             <a:endParaRPr lang="sl-SI"/>
           </a:p>
@@ -3896,7 +3868,7 @@
           <a:p>
             <a:fld id="{A8141FD2-2A27-4F6B-BF20-B9069527CC34}" type="datetimeFigureOut">
               <a:rPr lang="sl-SI" smtClean="0"/>
-              <a:t>13. 01. 2022</a:t>
+              <a:t>16. 01. 2022</a:t>
             </a:fld>
             <a:endParaRPr lang="sl-SI"/>
           </a:p>
@@ -4284,7 +4256,7 @@
           <a:p>
             <a:fld id="{A8141FD2-2A27-4F6B-BF20-B9069527CC34}" type="datetimeFigureOut">
               <a:rPr lang="sl-SI" smtClean="0"/>
-              <a:t>13. 01. 2022</a:t>
+              <a:t>16. 01. 2022</a:t>
             </a:fld>
             <a:endParaRPr lang="sl-SI"/>
           </a:p>
@@ -4562,7 +4534,7 @@
           <a:p>
             <a:fld id="{A8141FD2-2A27-4F6B-BF20-B9069527CC34}" type="datetimeFigureOut">
               <a:rPr lang="sl-SI" smtClean="0"/>
-              <a:t>13. 01. 2022</a:t>
+              <a:t>16. 01. 2022</a:t>
             </a:fld>
             <a:endParaRPr lang="sl-SI"/>
           </a:p>
@@ -5822,11 +5794,13 @@
         <p:spPr>
           <a:xfrm>
             <a:off x="1371600" y="685800"/>
-            <a:ext cx="9601200" cy="870284"/>
+            <a:ext cx="9601200" cy="668867"/>
           </a:xfrm>
         </p:spPr>
         <p:txBody>
-          <a:bodyPr/>
+          <a:bodyPr>
+            <a:normAutofit fontScale="90000"/>
+          </a:bodyPr>
           <a:lstStyle/>
           <a:p>
             <a:r>
@@ -5838,10 +5812,10 @@
       </p:sp>
       <p:sp>
         <p:nvSpPr>
-          <p:cNvPr id="3" name="Označba mesta vsebine 2">
+          <p:cNvPr id="7" name="Označba mesta vsebine 6">
             <a:extLst>
               <a:ext uri="{FF2B5EF4-FFF2-40B4-BE49-F238E27FC236}">
-                <a16:creationId xmlns:a16="http://schemas.microsoft.com/office/drawing/2014/main" id="{59C4D6CE-AD65-4196-88B3-B77481F40CE1}"/>
+                <a16:creationId xmlns:a16="http://schemas.microsoft.com/office/drawing/2014/main" id="{275E58C6-81F5-41CA-8D99-356652348E6C}"/>
               </a:ext>
             </a:extLst>
           </p:cNvPr>
@@ -5854,18 +5828,99 @@
         </p:nvSpPr>
         <p:spPr>
           <a:xfrm>
-            <a:off x="1371600" y="1556084"/>
-            <a:ext cx="9601200" cy="4311316"/>
+            <a:off x="1371600" y="1354667"/>
+            <a:ext cx="9601200" cy="4512733"/>
           </a:xfrm>
         </p:spPr>
         <p:txBody>
           <a:bodyPr/>
           <a:lstStyle/>
           <a:p>
+            <a:r>
+              <a:rPr lang="sl-SI" dirty="0"/>
+              <a:t>Sprememba časovnosti ni prevelika</a:t>
+            </a:r>
+          </a:p>
+          <a:p>
+            <a:r>
+              <a:rPr lang="sl-SI" dirty="0"/>
+              <a:t>Optimalna rešitev: O(n)</a:t>
+            </a:r>
+          </a:p>
+          <a:p>
+            <a:r>
+              <a:rPr lang="sl-SI" dirty="0"/>
+              <a:t>Groba sila: O(log(n))</a:t>
+            </a:r>
+          </a:p>
+          <a:p>
             <a:endParaRPr lang="sl-SI" dirty="0"/>
           </a:p>
-        </p:txBody>
-      </p:sp>
+          <a:p>
+            <a:endParaRPr lang="sl-SI" dirty="0"/>
+          </a:p>
+        </p:txBody>
+      </p:sp>
+      <p:pic>
+        <p:nvPicPr>
+          <p:cNvPr id="11" name="Slika 10">
+            <a:extLst>
+              <a:ext uri="{FF2B5EF4-FFF2-40B4-BE49-F238E27FC236}">
+                <a16:creationId xmlns:a16="http://schemas.microsoft.com/office/drawing/2014/main" id="{283326D1-53F8-44DF-9483-CF58198BE470}"/>
+              </a:ext>
+            </a:extLst>
+          </p:cNvPr>
+          <p:cNvPicPr>
+            <a:picLocks noChangeAspect="1"/>
+          </p:cNvPicPr>
+          <p:nvPr/>
+        </p:nvPicPr>
+        <p:blipFill>
+          <a:blip r:embed="rId2"/>
+          <a:stretch>
+            <a:fillRect/>
+          </a:stretch>
+        </p:blipFill>
+        <p:spPr>
+          <a:xfrm>
+            <a:off x="2771311" y="3429000"/>
+            <a:ext cx="3324689" cy="2048161"/>
+          </a:xfrm>
+          <a:prstGeom prst="rect">
+            <a:avLst/>
+          </a:prstGeom>
+        </p:spPr>
+      </p:pic>
+      <p:pic>
+        <p:nvPicPr>
+          <p:cNvPr id="13" name="Slika 12">
+            <a:extLst>
+              <a:ext uri="{FF2B5EF4-FFF2-40B4-BE49-F238E27FC236}">
+                <a16:creationId xmlns:a16="http://schemas.microsoft.com/office/drawing/2014/main" id="{98C801D2-D571-4F01-A173-20C248657B57}"/>
+              </a:ext>
+            </a:extLst>
+          </p:cNvPr>
+          <p:cNvPicPr>
+            <a:picLocks noChangeAspect="1"/>
+          </p:cNvPicPr>
+          <p:nvPr/>
+        </p:nvPicPr>
+        <p:blipFill>
+          <a:blip r:embed="rId3"/>
+          <a:stretch>
+            <a:fillRect/>
+          </a:stretch>
+        </p:blipFill>
+        <p:spPr>
+          <a:xfrm>
+            <a:off x="6172210" y="3429000"/>
+            <a:ext cx="3734879" cy="2048160"/>
+          </a:xfrm>
+          <a:prstGeom prst="rect">
+            <a:avLst/>
+          </a:prstGeom>
+        </p:spPr>
+      </p:pic>
     </p:spTree>
     <p:extLst>
       <p:ext uri="{BB962C8B-B14F-4D97-AF65-F5344CB8AC3E}">
@@ -5929,25 +5984,54 @@
           </a:p>
         </p:txBody>
       </p:sp>
+      <p:sp>
+        <p:nvSpPr>
+          <p:cNvPr id="6" name="Označba mesta vsebine 5">
+            <a:extLst>
+              <a:ext uri="{FF2B5EF4-FFF2-40B4-BE49-F238E27FC236}">
+                <a16:creationId xmlns:a16="http://schemas.microsoft.com/office/drawing/2014/main" id="{49401F45-261A-4721-832A-328EB845424A}"/>
+              </a:ext>
+            </a:extLst>
+          </p:cNvPr>
+          <p:cNvSpPr>
+            <a:spLocks noGrp="1"/>
+          </p:cNvSpPr>
+          <p:nvPr>
+            <p:ph idx="1"/>
+          </p:nvPr>
+        </p:nvSpPr>
+        <p:spPr/>
+        <p:txBody>
+          <a:bodyPr/>
+          <a:lstStyle/>
+          <a:p>
+            <a:endParaRPr lang="sl-SI"/>
+          </a:p>
+        </p:txBody>
+      </p:sp>
       <p:graphicFrame>
         <p:nvGraphicFramePr>
-          <p:cNvPr id="4" name="Označba mesta vsebine 3">
+          <p:cNvPr id="8" name="Grafikon 7">
             <a:extLst>
               <a:ext uri="{FF2B5EF4-FFF2-40B4-BE49-F238E27FC236}">
-                <a16:creationId xmlns:a16="http://schemas.microsoft.com/office/drawing/2014/main" id="{7B51E3E6-6E12-4A19-AB3F-97166041D1E4}"/>
+                <a16:creationId xmlns:a16="http://schemas.microsoft.com/office/drawing/2014/main" id="{308364EE-9395-4F80-B07E-ED37C06EA389}"/>
               </a:ext>
             </a:extLst>
           </p:cNvPr>
           <p:cNvGraphicFramePr>
-            <a:graphicFrameLocks noGrp="1"/>
+            <a:graphicFrameLocks/>
           </p:cNvGraphicFramePr>
           <p:nvPr>
-            <p:ph idx="1"/>
+            <p:extLst>
+              <p:ext uri="{D42A27DB-BD31-4B8C-83A1-F6EECF244321}">
+                <p14:modId xmlns:p14="http://schemas.microsoft.com/office/powerpoint/2010/main" val="4245114804"/>
+              </p:ext>
+            </p:extLst>
           </p:nvPr>
         </p:nvGraphicFramePr>
         <p:xfrm>
-          <a:off x="1371600" y="1411288"/>
-          <a:ext cx="9601200" cy="4456112"/>
+          <a:off x="1219200" y="1411704"/>
+          <a:ext cx="10427368" cy="4760495"/>
         </p:xfrm>
         <a:graphic>
           <a:graphicData uri="http://schemas.openxmlformats.org/drawingml/2006/chart">
@@ -5959,6 +6043,141 @@
     <p:extLst>
       <p:ext uri="{BB962C8B-B14F-4D97-AF65-F5344CB8AC3E}">
         <p14:creationId xmlns:p14="http://schemas.microsoft.com/office/powerpoint/2010/main" val="4245847681"/>
+      </p:ext>
+    </p:extLst>
+  </p:cSld>
+  <p:clrMapOvr>
+    <a:masterClrMapping/>
+  </p:clrMapOvr>
+</p:sld>
+</file>
+
+<file path=ppt/slides/slide7.xml><?xml version="1.0" encoding="utf-8"?>
+<p:sld xmlns:a="http://schemas.openxmlformats.org/drawingml/2006/main" xmlns:r="http://schemas.openxmlformats.org/officeDocument/2006/relationships" xmlns:p="http://schemas.openxmlformats.org/presentationml/2006/main">
+  <p:cSld>
+    <p:spTree>
+      <p:nvGrpSpPr>
+        <p:cNvPr id="1" name=""/>
+        <p:cNvGrpSpPr/>
+        <p:nvPr/>
+      </p:nvGrpSpPr>
+      <p:grpSpPr>
+        <a:xfrm>
+          <a:off x="0" y="0"/>
+          <a:ext cx="0" cy="0"/>
+          <a:chOff x="0" y="0"/>
+          <a:chExt cx="0" cy="0"/>
+        </a:xfrm>
+      </p:grpSpPr>
+      <p:sp>
+        <p:nvSpPr>
+          <p:cNvPr id="3" name="Označba mesta vsebine 2">
+            <a:extLst>
+              <a:ext uri="{FF2B5EF4-FFF2-40B4-BE49-F238E27FC236}">
+                <a16:creationId xmlns:a16="http://schemas.microsoft.com/office/drawing/2014/main" id="{3E253FB2-08C6-4178-B1BC-5343CB74BBF2}"/>
+              </a:ext>
+            </a:extLst>
+          </p:cNvPr>
+          <p:cNvSpPr>
+            <a:spLocks noGrp="1"/>
+          </p:cNvSpPr>
+          <p:nvPr>
+            <p:ph idx="1"/>
+          </p:nvPr>
+        </p:nvSpPr>
+        <p:spPr>
+          <a:xfrm>
+            <a:off x="1371600" y="497305"/>
+            <a:ext cx="9601200" cy="5370095"/>
+          </a:xfrm>
+        </p:spPr>
+        <p:txBody>
+          <a:bodyPr/>
+          <a:lstStyle/>
+          <a:p>
+            <a:r>
+              <a:rPr lang="sl-SI" dirty="0"/>
+              <a:t>Zasedenost pomnilnika optimalne rešitve 10000 lokvanjev</a:t>
+            </a:r>
+          </a:p>
+          <a:p>
+            <a:endParaRPr lang="sl-SI" dirty="0"/>
+          </a:p>
+          <a:p>
+            <a:endParaRPr lang="sl-SI" dirty="0"/>
+          </a:p>
+          <a:p>
+            <a:r>
+              <a:rPr lang="sl-SI" dirty="0"/>
+              <a:t>Zasedenost pomnilnika grobe sile 10000 lokvanjev</a:t>
+            </a:r>
+          </a:p>
+        </p:txBody>
+      </p:sp>
+      <p:pic>
+        <p:nvPicPr>
+          <p:cNvPr id="5" name="Označba mesta vsebine 4">
+            <a:extLst>
+              <a:ext uri="{FF2B5EF4-FFF2-40B4-BE49-F238E27FC236}">
+                <a16:creationId xmlns:a16="http://schemas.microsoft.com/office/drawing/2014/main" id="{0640B2B9-DB86-44F2-AB9B-FA967832EB9B}"/>
+              </a:ext>
+            </a:extLst>
+          </p:cNvPr>
+          <p:cNvPicPr>
+            <a:picLocks noChangeAspect="1"/>
+          </p:cNvPicPr>
+          <p:nvPr/>
+        </p:nvPicPr>
+        <p:blipFill>
+          <a:blip r:embed="rId2"/>
+          <a:stretch>
+            <a:fillRect/>
+          </a:stretch>
+        </p:blipFill>
+        <p:spPr>
+          <a:xfrm>
+            <a:off x="1371600" y="1055914"/>
+            <a:ext cx="6868484" cy="676369"/>
+          </a:xfrm>
+          <a:prstGeom prst="rect">
+            <a:avLst/>
+          </a:prstGeom>
+        </p:spPr>
+      </p:pic>
+      <p:pic>
+        <p:nvPicPr>
+          <p:cNvPr id="6" name="Slika 5">
+            <a:extLst>
+              <a:ext uri="{FF2B5EF4-FFF2-40B4-BE49-F238E27FC236}">
+                <a16:creationId xmlns:a16="http://schemas.microsoft.com/office/drawing/2014/main" id="{042466F3-1B1D-45BE-9F3C-5FDAB7A83802}"/>
+              </a:ext>
+            </a:extLst>
+          </p:cNvPr>
+          <p:cNvPicPr>
+            <a:picLocks noChangeAspect="1"/>
+          </p:cNvPicPr>
+          <p:nvPr/>
+        </p:nvPicPr>
+        <p:blipFill>
+          <a:blip r:embed="rId3"/>
+          <a:stretch>
+            <a:fillRect/>
+          </a:stretch>
+        </p:blipFill>
+        <p:spPr>
+          <a:xfrm>
+            <a:off x="1371600" y="2290892"/>
+            <a:ext cx="6868484" cy="891460"/>
+          </a:xfrm>
+          <a:prstGeom prst="rect">
+            <a:avLst/>
+          </a:prstGeom>
+        </p:spPr>
+      </p:pic>
+    </p:spTree>
+    <p:extLst>
+      <p:ext uri="{BB962C8B-B14F-4D97-AF65-F5344CB8AC3E}">
+        <p14:creationId xmlns:p14="http://schemas.microsoft.com/office/powerpoint/2010/main" val="2286540309"/>
       </p:ext>
     </p:extLst>
   </p:cSld>

--- a/ATRUP/ATURPpredstavitev.pptx
+++ b/ATRUP/ATURPpredstavitev.pptx
@@ -1481,7 +1481,7 @@
           <a:p>
             <a:fld id="{A8141FD2-2A27-4F6B-BF20-B9069527CC34}" type="datetimeFigureOut">
               <a:rPr lang="sl-SI" smtClean="0"/>
-              <a:t>16. 01. 2022</a:t>
+              <a:t>18. 01. 2022</a:t>
             </a:fld>
             <a:endParaRPr lang="sl-SI"/>
           </a:p>
@@ -1811,7 +1811,7 @@
           <a:p>
             <a:fld id="{A8141FD2-2A27-4F6B-BF20-B9069527CC34}" type="datetimeFigureOut">
               <a:rPr lang="sl-SI" smtClean="0"/>
-              <a:t>16. 01. 2022</a:t>
+              <a:t>18. 01. 2022</a:t>
             </a:fld>
             <a:endParaRPr lang="sl-SI"/>
           </a:p>
@@ -1991,7 +1991,7 @@
           <a:p>
             <a:fld id="{A8141FD2-2A27-4F6B-BF20-B9069527CC34}" type="datetimeFigureOut">
               <a:rPr lang="sl-SI" smtClean="0"/>
-              <a:t>16. 01. 2022</a:t>
+              <a:t>18. 01. 2022</a:t>
             </a:fld>
             <a:endParaRPr lang="sl-SI"/>
           </a:p>
@@ -2161,7 +2161,7 @@
           <a:p>
             <a:fld id="{A8141FD2-2A27-4F6B-BF20-B9069527CC34}" type="datetimeFigureOut">
               <a:rPr lang="sl-SI" smtClean="0"/>
-              <a:t>16. 01. 2022</a:t>
+              <a:t>18. 01. 2022</a:t>
             </a:fld>
             <a:endParaRPr lang="sl-SI"/>
           </a:p>
@@ -2438,7 +2438,7 @@
           <a:p>
             <a:fld id="{A8141FD2-2A27-4F6B-BF20-B9069527CC34}" type="datetimeFigureOut">
               <a:rPr lang="sl-SI" smtClean="0"/>
-              <a:t>16. 01. 2022</a:t>
+              <a:t>18. 01. 2022</a:t>
             </a:fld>
             <a:endParaRPr lang="sl-SI"/>
           </a:p>
@@ -2832,7 +2832,7 @@
           <a:p>
             <a:fld id="{A8141FD2-2A27-4F6B-BF20-B9069527CC34}" type="datetimeFigureOut">
               <a:rPr lang="sl-SI" smtClean="0"/>
-              <a:t>16. 01. 2022</a:t>
+              <a:t>18. 01. 2022</a:t>
             </a:fld>
             <a:endParaRPr lang="sl-SI"/>
           </a:p>
@@ -3309,7 +3309,7 @@
           <a:p>
             <a:fld id="{A8141FD2-2A27-4F6B-BF20-B9069527CC34}" type="datetimeFigureOut">
               <a:rPr lang="sl-SI" smtClean="0"/>
-              <a:t>16. 01. 2022</a:t>
+              <a:t>18. 01. 2022</a:t>
             </a:fld>
             <a:endParaRPr lang="sl-SI"/>
           </a:p>
@@ -3427,7 +3427,7 @@
           <a:p>
             <a:fld id="{A8141FD2-2A27-4F6B-BF20-B9069527CC34}" type="datetimeFigureOut">
               <a:rPr lang="sl-SI" smtClean="0"/>
-              <a:t>16. 01. 2022</a:t>
+              <a:t>18. 01. 2022</a:t>
             </a:fld>
             <a:endParaRPr lang="sl-SI"/>
           </a:p>
@@ -3522,7 +3522,7 @@
           <a:p>
             <a:fld id="{A8141FD2-2A27-4F6B-BF20-B9069527CC34}" type="datetimeFigureOut">
               <a:rPr lang="sl-SI" smtClean="0"/>
-              <a:t>16. 01. 2022</a:t>
+              <a:t>18. 01. 2022</a:t>
             </a:fld>
             <a:endParaRPr lang="sl-SI"/>
           </a:p>
@@ -3868,7 +3868,7 @@
           <a:p>
             <a:fld id="{A8141FD2-2A27-4F6B-BF20-B9069527CC34}" type="datetimeFigureOut">
               <a:rPr lang="sl-SI" smtClean="0"/>
-              <a:t>16. 01. 2022</a:t>
+              <a:t>18. 01. 2022</a:t>
             </a:fld>
             <a:endParaRPr lang="sl-SI"/>
           </a:p>
@@ -4256,7 +4256,7 @@
           <a:p>
             <a:fld id="{A8141FD2-2A27-4F6B-BF20-B9069527CC34}" type="datetimeFigureOut">
               <a:rPr lang="sl-SI" smtClean="0"/>
-              <a:t>16. 01. 2022</a:t>
+              <a:t>18. 01. 2022</a:t>
             </a:fld>
             <a:endParaRPr lang="sl-SI"/>
           </a:p>
@@ -4534,7 +4534,7 @@
           <a:p>
             <a:fld id="{A8141FD2-2A27-4F6B-BF20-B9069527CC34}" type="datetimeFigureOut">
               <a:rPr lang="sl-SI" smtClean="0"/>
-              <a:t>16. 01. 2022</a:t>
+              <a:t>18. 01. 2022</a:t>
             </a:fld>
             <a:endParaRPr lang="sl-SI"/>
           </a:p>
@@ -5448,7 +5448,7 @@
           <a:p>
             <a:r>
               <a:rPr lang="sl-SI" dirty="0"/>
-              <a:t>Groba sila</a:t>
+              <a:t>Groba sila </a:t>
             </a:r>
           </a:p>
         </p:txBody>
@@ -5528,8 +5528,13 @@
           <a:p>
             <a:r>
               <a:rPr lang="sl-SI" dirty="0"/>
-              <a:t>Časovna zahtevnost: </a:t>
-            </a:r>
+              <a:t>Kreiranje vseh možnih poti in </a:t>
+            </a:r>
+            <a:r>
+              <a:rPr lang="sl-SI"/>
+              <a:t>njihovih vsot</a:t>
+            </a:r>
+            <a:endParaRPr lang="sl-SI" dirty="0"/>
           </a:p>
         </p:txBody>
       </p:sp>
@@ -5707,8 +5712,17 @@
           <a:p>
             <a:r>
               <a:rPr lang="sl-SI" dirty="0"/>
-              <a:t>Kreiranje vseh možnih poti in njihovih vsot</a:t>
-            </a:r>
+              <a:t>Iskanje najbolj optimalne poti</a:t>
+            </a:r>
+          </a:p>
+          <a:p>
+            <a:r>
+              <a:rPr lang="sl-SI" dirty="0"/>
+              <a:t>Nastavljanje kazalcev poti</a:t>
+            </a:r>
+          </a:p>
+          <a:p>
+            <a:endParaRPr lang="sl-SI" dirty="0"/>
           </a:p>
           <a:p>
             <a:endParaRPr lang="sl-SI" dirty="0"/>
